--- a/functional-programming-with-java/docs/@FunctionalInterface.pptx
+++ b/functional-programming-with-java/docs/@FunctionalInterface.pptx
@@ -10,7 +10,8 @@
     <p:sldId id="265" r:id="rId4"/>
     <p:sldId id="266" r:id="rId5"/>
     <p:sldId id="267" r:id="rId6"/>
-    <p:sldId id="257" r:id="rId7"/>
+    <p:sldId id="268" r:id="rId7"/>
+    <p:sldId id="257" r:id="rId8"/>
   </p:sldIdLst>
   <p:sldSz cx="12192000" cy="6858000"/>
   <p:notesSz cx="6858000" cy="9144000"/>
@@ -3375,7 +3376,7 @@
                 <a16:creationId xmlns:a16="http://schemas.microsoft.com/office/drawing/2014/main" id="{D2C4BFA1-2075-4901-9E24-E41D1FDD51FD}"/>
               </a:ext>
               <a:ext uri="{C183D7F6-B498-43B3-948B-1728B52AA6E4}">
-                <adec:decorative xmlns="" xmlns:adec="http://schemas.microsoft.com/office/drawing/2017/decorative" val="1"/>
+                <adec:decorative xmlns:adec="http://schemas.microsoft.com/office/drawing/2017/decorative" xmlns="" val="1"/>
               </a:ext>
             </a:extLst>
           </p:cNvPr>
@@ -3406,7 +3407,7 @@
                   <a16:creationId xmlns:a16="http://schemas.microsoft.com/office/drawing/2014/main" id="{985A7375-E3AF-4F5C-85AE-17E8832952CA}"/>
                 </a:ext>
                 <a:ext uri="{C183D7F6-B498-43B3-948B-1728B52AA6E4}">
-                  <adec:decorative xmlns="" xmlns:adec="http://schemas.microsoft.com/office/drawing/2017/decorative" val="1"/>
+                  <adec:decorative xmlns:adec="http://schemas.microsoft.com/office/drawing/2017/decorative" xmlns="" val="1"/>
                 </a:ext>
               </a:extLst>
             </p:cNvPr>
@@ -3447,7 +3448,7 @@
                   <a16:creationId xmlns:a16="http://schemas.microsoft.com/office/drawing/2014/main" id="{F0307F65-8304-4FA8-A841-D4D7625411BE}"/>
                 </a:ext>
                 <a:ext uri="{C183D7F6-B498-43B3-948B-1728B52AA6E4}">
-                  <adec:decorative xmlns="" xmlns:adec="http://schemas.microsoft.com/office/drawing/2017/decorative" val="1"/>
+                  <adec:decorative xmlns:adec="http://schemas.microsoft.com/office/drawing/2017/decorative" xmlns="" val="1"/>
                 </a:ext>
               </a:extLst>
             </p:cNvPr>
@@ -3488,7 +3489,7 @@
                   <a16:creationId xmlns:a16="http://schemas.microsoft.com/office/drawing/2014/main" id="{C8B8394C-136F-4E05-A002-D93A5E79CD50}"/>
                 </a:ext>
                 <a:ext uri="{C183D7F6-B498-43B3-948B-1728B52AA6E4}">
-                  <adec:decorative xmlns="" xmlns:adec="http://schemas.microsoft.com/office/drawing/2017/decorative" val="1"/>
+                  <adec:decorative xmlns:adec="http://schemas.microsoft.com/office/drawing/2017/decorative" xmlns="" val="1"/>
                 </a:ext>
               </a:extLst>
             </p:cNvPr>
@@ -3530,7 +3531,7 @@
                 <a16:creationId xmlns:a16="http://schemas.microsoft.com/office/drawing/2014/main" id="{053FB2EE-284F-4C87-AB3D-BBF87A9FAB97}"/>
               </a:ext>
               <a:ext uri="{C183D7F6-B498-43B3-948B-1728B52AA6E4}">
-                <adec:decorative xmlns="" xmlns:adec="http://schemas.microsoft.com/office/drawing/2017/decorative" val="1"/>
+                <adec:decorative xmlns:adec="http://schemas.microsoft.com/office/drawing/2017/decorative" xmlns="" val="1"/>
               </a:ext>
             </a:extLst>
           </p:cNvPr>
@@ -3669,7 +3670,7 @@
                 <a16:creationId xmlns:a16="http://schemas.microsoft.com/office/drawing/2014/main" id="{23207CC6-EAA1-4BFF-A48A-DECAD8972717}"/>
               </a:ext>
               <a:ext uri="{C183D7F6-B498-43B3-948B-1728B52AA6E4}">
-                <adec:decorative xmlns="" xmlns:adec="http://schemas.microsoft.com/office/drawing/2017/decorative" val="1"/>
+                <adec:decorative xmlns:adec="http://schemas.microsoft.com/office/drawing/2017/decorative" xmlns="" val="1"/>
               </a:ext>
             </a:extLst>
           </p:cNvPr>
@@ -3734,7 +3735,7 @@
                 <a16:creationId xmlns:a16="http://schemas.microsoft.com/office/drawing/2014/main" id="{B234A3DD-923D-4166-8B19-7DD589908C68}"/>
               </a:ext>
               <a:ext uri="{C183D7F6-B498-43B3-948B-1728B52AA6E4}">
-                <adec:decorative xmlns="" xmlns:adec="http://schemas.microsoft.com/office/drawing/2017/decorative" val="1"/>
+                <adec:decorative xmlns:adec="http://schemas.microsoft.com/office/drawing/2017/decorative" xmlns="" val="1"/>
               </a:ext>
             </a:extLst>
           </p:cNvPr>
@@ -3876,7 +3877,7 @@
                 <a16:creationId xmlns:a16="http://schemas.microsoft.com/office/drawing/2014/main" id="{F6ACA5AC-3C5D-4994-B40F-FC8349E4D6F4}"/>
               </a:ext>
               <a:ext uri="{C183D7F6-B498-43B3-948B-1728B52AA6E4}">
-                <adec:decorative xmlns="" xmlns:adec="http://schemas.microsoft.com/office/drawing/2017/decorative" val="1"/>
+                <adec:decorative xmlns:adec="http://schemas.microsoft.com/office/drawing/2017/decorative" xmlns="" val="1"/>
               </a:ext>
             </a:extLst>
           </p:cNvPr>
@@ -4197,7 +4198,7 @@
                 <a16:creationId xmlns:a16="http://schemas.microsoft.com/office/drawing/2014/main" id="{94C3F6B3-69A5-4B7A-A963-2E854017761C}"/>
               </a:ext>
               <a:ext uri="{C183D7F6-B498-43B3-948B-1728B52AA6E4}">
-                <adec:decorative xmlns="" xmlns:adec="http://schemas.microsoft.com/office/drawing/2017/decorative" val="1"/>
+                <adec:decorative xmlns:adec="http://schemas.microsoft.com/office/drawing/2017/decorative" xmlns="" val="1"/>
               </a:ext>
             </a:extLst>
           </p:cNvPr>
@@ -4501,7 +4502,7 @@
                 <a16:creationId xmlns:a16="http://schemas.microsoft.com/office/drawing/2014/main" id="{94C3F6B3-69A5-4B7A-A963-2E854017761C}"/>
               </a:ext>
               <a:ext uri="{C183D7F6-B498-43B3-948B-1728B52AA6E4}">
-                <adec:decorative xmlns="" xmlns:adec="http://schemas.microsoft.com/office/drawing/2017/decorative" val="1"/>
+                <adec:decorative xmlns:adec="http://schemas.microsoft.com/office/drawing/2017/decorative" xmlns="" val="1"/>
               </a:ext>
             </a:extLst>
           </p:cNvPr>
@@ -4743,7 +4744,7 @@
                 <a16:creationId xmlns:a16="http://schemas.microsoft.com/office/drawing/2014/main" id="{BE95D989-81FA-4BAD-9AD5-E46CEDA91B36}"/>
               </a:ext>
               <a:ext uri="{C183D7F6-B498-43B3-948B-1728B52AA6E4}">
-                <adec:decorative xmlns="" xmlns:adec="http://schemas.microsoft.com/office/drawing/2017/decorative" val="1"/>
+                <adec:decorative xmlns:adec="http://schemas.microsoft.com/office/drawing/2017/decorative" xmlns="" val="1"/>
               </a:ext>
             </a:extLst>
           </p:cNvPr>
@@ -4835,7 +4836,7 @@
                 <a16:creationId xmlns:a16="http://schemas.microsoft.com/office/drawing/2014/main" id="{156189E5-8A3E-4CFD-B71B-CCD0F8495E56}"/>
               </a:ext>
               <a:ext uri="{C183D7F6-B498-43B3-948B-1728B52AA6E4}">
-                <adec:decorative xmlns="" xmlns:adec="http://schemas.microsoft.com/office/drawing/2017/decorative" val="1"/>
+                <adec:decorative xmlns:adec="http://schemas.microsoft.com/office/drawing/2017/decorative" xmlns="" val="1"/>
               </a:ext>
             </a:extLst>
           </p:cNvPr>
@@ -6528,6 +6529,594 @@
 <file path=ppt/slides/slide6.xml><?xml version="1.0" encoding="utf-8"?>
 <p:sld xmlns:a="http://schemas.openxmlformats.org/drawingml/2006/main" xmlns:r="http://schemas.openxmlformats.org/officeDocument/2006/relationships" xmlns:p="http://schemas.openxmlformats.org/presentationml/2006/main">
   <p:cSld>
+    <p:bg>
+      <p:bgPr>
+        <a:solidFill>
+          <a:schemeClr val="bg1"/>
+        </a:solidFill>
+        <a:effectLst/>
+      </p:bgPr>
+    </p:bg>
+    <p:spTree>
+      <p:nvGrpSpPr>
+        <p:cNvPr id="1" name=""/>
+        <p:cNvGrpSpPr/>
+        <p:nvPr/>
+      </p:nvGrpSpPr>
+      <p:grpSpPr>
+        <a:xfrm>
+          <a:off x="0" y="0"/>
+          <a:ext cx="0" cy="0"/>
+          <a:chOff x="0" y="0"/>
+          <a:chExt cx="0" cy="0"/>
+        </a:xfrm>
+      </p:grpSpPr>
+      <p:sp>
+        <p:nvSpPr>
+          <p:cNvPr id="2" name="Title 1">
+            <a:extLst>
+              <a:ext uri="{FF2B5EF4-FFF2-40B4-BE49-F238E27FC236}">
+                <a16:creationId xmlns:a16="http://schemas.microsoft.com/office/drawing/2014/main" id="{ED88E3B1-FB14-4DBD-A516-BDE6F722CA65}"/>
+              </a:ext>
+            </a:extLst>
+          </p:cNvPr>
+          <p:cNvSpPr>
+            <a:spLocks noGrp="1"/>
+          </p:cNvSpPr>
+          <p:nvPr>
+            <p:ph type="title"/>
+          </p:nvPr>
+        </p:nvSpPr>
+        <p:spPr>
+          <a:xfrm>
+            <a:off x="643466" y="640082"/>
+            <a:ext cx="10942402" cy="667858"/>
+          </a:xfrm>
+        </p:spPr>
+        <p:txBody>
+          <a:bodyPr vert="horz" lIns="91440" tIns="45720" rIns="91440" bIns="45720" rtlCol="0" anchor="ctr">
+            <a:normAutofit fontScale="90000"/>
+          </a:bodyPr>
+          <a:lstStyle/>
+          <a:p>
+            <a:r>
+              <a:rPr lang="en-US" kern="1200" dirty="0">
+                <a:solidFill>
+                  <a:schemeClr val="tx1"/>
+                </a:solidFill>
+                <a:latin typeface="+mj-lt"/>
+                <a:ea typeface="+mj-ea"/>
+                <a:cs typeface="+mj-cs"/>
+              </a:rPr>
+              <a:t>Method Reference</a:t>
+            </a:r>
+          </a:p>
+        </p:txBody>
+      </p:sp>
+      <p:graphicFrame>
+        <p:nvGraphicFramePr>
+          <p:cNvPr id="4" name="Content Placeholder 3">
+            <a:extLst>
+              <a:ext uri="{FF2B5EF4-FFF2-40B4-BE49-F238E27FC236}">
+                <a16:creationId xmlns:a16="http://schemas.microsoft.com/office/drawing/2014/main" id="{D6CA35E6-DC81-471A-B4E6-2D417C6D6B64}"/>
+              </a:ext>
+            </a:extLst>
+          </p:cNvPr>
+          <p:cNvGraphicFramePr>
+            <a:graphicFrameLocks noGrp="1"/>
+          </p:cNvGraphicFramePr>
+          <p:nvPr>
+            <p:ph idx="1"/>
+            <p:extLst>
+              <p:ext uri="{D42A27DB-BD31-4B8C-83A1-F6EECF244321}">
+                <p14:modId xmlns:p14="http://schemas.microsoft.com/office/powerpoint/2010/main" val="976284286"/>
+              </p:ext>
+            </p:extLst>
+          </p:nvPr>
+        </p:nvGraphicFramePr>
+        <p:xfrm>
+          <a:off x="736062" y="1307940"/>
+          <a:ext cx="10933423" cy="4896620"/>
+        </p:xfrm>
+        <a:graphic>
+          <a:graphicData uri="http://schemas.openxmlformats.org/drawingml/2006/table">
+            <a:tbl>
+              <a:tblPr firstRow="1" bandRow="1">
+                <a:tableStyleId>{5C22544A-7EE6-4342-B048-85BDC9FD1C3A}</a:tableStyleId>
+              </a:tblPr>
+              <a:tblGrid>
+                <a:gridCol w="2896190">
+                  <a:extLst>
+                    <a:ext uri="{9D8B030D-6E8A-4147-A177-3AD203B41FA5}">
+                      <a16:colId xmlns:a16="http://schemas.microsoft.com/office/drawing/2014/main" val="2368711498"/>
+                    </a:ext>
+                  </a:extLst>
+                </a:gridCol>
+                <a:gridCol w="3098959">
+                  <a:extLst>
+                    <a:ext uri="{9D8B030D-6E8A-4147-A177-3AD203B41FA5}">
+                      <a16:colId xmlns:a16="http://schemas.microsoft.com/office/drawing/2014/main" val="3372264135"/>
+                    </a:ext>
+                  </a:extLst>
+                </a:gridCol>
+                <a:gridCol w="2314443">
+                  <a:extLst>
+                    <a:ext uri="{9D8B030D-6E8A-4147-A177-3AD203B41FA5}">
+                      <a16:colId xmlns:a16="http://schemas.microsoft.com/office/drawing/2014/main" val="3132048901"/>
+                    </a:ext>
+                  </a:extLst>
+                </a:gridCol>
+                <a:gridCol w="2623831">
+                  <a:extLst>
+                    <a:ext uri="{9D8B030D-6E8A-4147-A177-3AD203B41FA5}">
+                      <a16:colId xmlns:a16="http://schemas.microsoft.com/office/drawing/2014/main" val="3814922551"/>
+                    </a:ext>
+                  </a:extLst>
+                </a:gridCol>
+              </a:tblGrid>
+              <a:tr h="575238">
+                <a:tc>
+                  <a:txBody>
+                    <a:bodyPr/>
+                    <a:lstStyle/>
+                    <a:p>
+                      <a:r>
+                        <a:rPr lang="en-SG" sz="1600">
+                          <a:effectLst/>
+                        </a:rPr>
+                        <a:t>Type</a:t>
+                      </a:r>
+                      <a:endParaRPr lang="en-SG" sz="1600" b="0">
+                        <a:effectLst/>
+                        <a:latin typeface="Cambira"/>
+                      </a:endParaRPr>
+                    </a:p>
+                  </a:txBody>
+                  <a:tcPr marL="62210" marR="62210" marT="31105" marB="31105" anchor="ctr"/>
+                </a:tc>
+                <a:tc>
+                  <a:txBody>
+                    <a:bodyPr/>
+                    <a:lstStyle/>
+                    <a:p>
+                      <a:r>
+                        <a:rPr lang="en-SG" sz="1600">
+                          <a:effectLst/>
+                        </a:rPr>
+                        <a:t>Syntax</a:t>
+                      </a:r>
+                      <a:endParaRPr lang="en-SG" sz="1600" b="0">
+                        <a:effectLst/>
+                        <a:latin typeface="Cambira"/>
+                      </a:endParaRPr>
+                    </a:p>
+                  </a:txBody>
+                  <a:tcPr marL="62210" marR="62210" marT="31105" marB="31105" anchor="ctr"/>
+                </a:tc>
+                <a:tc>
+                  <a:txBody>
+                    <a:bodyPr/>
+                    <a:lstStyle/>
+                    <a:p>
+                      <a:r>
+                        <a:rPr lang="en-SG" sz="1600">
+                          <a:effectLst/>
+                        </a:rPr>
+                        <a:t>Method Reference</a:t>
+                      </a:r>
+                      <a:endParaRPr lang="en-SG" sz="1600" b="0">
+                        <a:effectLst/>
+                        <a:latin typeface="Cambira"/>
+                      </a:endParaRPr>
+                    </a:p>
+                  </a:txBody>
+                  <a:tcPr marL="62210" marR="62210" marT="31105" marB="31105" anchor="ctr"/>
+                </a:tc>
+                <a:tc>
+                  <a:txBody>
+                    <a:bodyPr/>
+                    <a:lstStyle/>
+                    <a:p>
+                      <a:r>
+                        <a:rPr lang="en-SG" sz="1600">
+                          <a:effectLst/>
+                        </a:rPr>
+                        <a:t>Lambda expression</a:t>
+                      </a:r>
+                      <a:endParaRPr lang="en-SG" sz="1600" b="0">
+                        <a:effectLst/>
+                        <a:latin typeface="Cambira"/>
+                      </a:endParaRPr>
+                    </a:p>
+                  </a:txBody>
+                  <a:tcPr marL="62210" marR="62210" marT="31105" marB="31105" anchor="ctr"/>
+                </a:tc>
+                <a:extLst>
+                  <a:ext uri="{0D108BD9-81ED-4DB2-BD59-A6C34878D82A}">
+                    <a16:rowId xmlns:a16="http://schemas.microsoft.com/office/drawing/2014/main" val="184501207"/>
+                  </a:ext>
+                </a:extLst>
+              </a:tr>
+              <a:tr h="575238">
+                <a:tc>
+                  <a:txBody>
+                    <a:bodyPr/>
+                    <a:lstStyle/>
+                    <a:p>
+                      <a:r>
+                        <a:rPr lang="en-SG" sz="2000">
+                          <a:effectLst/>
+                        </a:rPr>
+                        <a:t>Reference to a static method</a:t>
+                      </a:r>
+                      <a:endParaRPr lang="en-SG" sz="2000" b="0">
+                        <a:effectLst/>
+                        <a:latin typeface="Cambira"/>
+                      </a:endParaRPr>
+                    </a:p>
+                  </a:txBody>
+                  <a:tcPr marL="62210" marR="62210" marT="31105" marB="31105" anchor="ctr"/>
+                </a:tc>
+                <a:tc>
+                  <a:txBody>
+                    <a:bodyPr/>
+                    <a:lstStyle/>
+                    <a:p>
+                      <a:r>
+                        <a:rPr lang="en-SG" sz="2000">
+                          <a:effectLst/>
+                        </a:rPr>
+                        <a:t>Class::staticMethod</a:t>
+                      </a:r>
+                      <a:endParaRPr lang="en-SG" sz="2000" b="0">
+                        <a:effectLst/>
+                        <a:latin typeface="Cambira"/>
+                      </a:endParaRPr>
+                    </a:p>
+                  </a:txBody>
+                  <a:tcPr marL="62210" marR="62210" marT="31105" marB="31105" anchor="ctr"/>
+                </a:tc>
+                <a:tc>
+                  <a:txBody>
+                    <a:bodyPr/>
+                    <a:lstStyle/>
+                    <a:p>
+                      <a:r>
+                        <a:rPr lang="en-SG" sz="2400">
+                          <a:effectLst/>
+                        </a:rPr>
+                        <a:t>String::valueOf</a:t>
+                      </a:r>
+                      <a:endParaRPr lang="en-SG" sz="2400" b="0">
+                        <a:effectLst/>
+                        <a:latin typeface="Cambira"/>
+                      </a:endParaRPr>
+                    </a:p>
+                  </a:txBody>
+                  <a:tcPr marL="62210" marR="62210" marT="31105" marB="31105" anchor="ctr"/>
+                </a:tc>
+                <a:tc>
+                  <a:txBody>
+                    <a:bodyPr/>
+                    <a:lstStyle/>
+                    <a:p>
+                      <a:r>
+                        <a:rPr lang="en-SG" sz="2000">
+                          <a:effectLst/>
+                        </a:rPr>
+                        <a:t> s -&gt; String.valueOf(s)</a:t>
+                      </a:r>
+                      <a:endParaRPr lang="en-SG" sz="2000" b="0">
+                        <a:effectLst/>
+                        <a:latin typeface="Cambira"/>
+                      </a:endParaRPr>
+                    </a:p>
+                  </a:txBody>
+                  <a:tcPr marL="62210" marR="62210" marT="31105" marB="31105" anchor="ctr"/>
+                </a:tc>
+                <a:extLst>
+                  <a:ext uri="{0D108BD9-81ED-4DB2-BD59-A6C34878D82A}">
+                    <a16:rowId xmlns:a16="http://schemas.microsoft.com/office/drawing/2014/main" val="300421599"/>
+                  </a:ext>
+                </a:extLst>
+              </a:tr>
+              <a:tr h="1296685">
+                <a:tc>
+                  <a:txBody>
+                    <a:bodyPr/>
+                    <a:lstStyle/>
+                    <a:p>
+                      <a:r>
+                        <a:rPr lang="en-SG" sz="2000">
+                          <a:effectLst/>
+                        </a:rPr>
+                        <a:t>Reference to an instance method</a:t>
+                      </a:r>
+                      <a:br>
+                        <a:rPr lang="en-SG" sz="2000">
+                          <a:effectLst/>
+                        </a:rPr>
+                      </a:br>
+                      <a:r>
+                        <a:rPr lang="en-SG" sz="2000">
+                          <a:effectLst/>
+                        </a:rPr>
+                        <a:t>of a particular object</a:t>
+                      </a:r>
+                      <a:endParaRPr lang="en-SG" sz="2000" b="0">
+                        <a:effectLst/>
+                        <a:latin typeface="Cambira"/>
+                      </a:endParaRPr>
+                    </a:p>
+                  </a:txBody>
+                  <a:tcPr marL="62210" marR="62210" marT="31105" marB="31105" anchor="ctr"/>
+                </a:tc>
+                <a:tc>
+                  <a:txBody>
+                    <a:bodyPr/>
+                    <a:lstStyle/>
+                    <a:p>
+                      <a:r>
+                        <a:rPr lang="en-SG" sz="2000">
+                          <a:effectLst/>
+                        </a:rPr>
+                        <a:t>instance::instanceMethod</a:t>
+                      </a:r>
+                      <a:endParaRPr lang="en-SG" sz="2000" b="0">
+                        <a:effectLst/>
+                        <a:latin typeface="Cambira"/>
+                      </a:endParaRPr>
+                    </a:p>
+                  </a:txBody>
+                  <a:tcPr marL="62210" marR="62210" marT="31105" marB="31105" anchor="ctr"/>
+                </a:tc>
+                <a:tc>
+                  <a:txBody>
+                    <a:bodyPr/>
+                    <a:lstStyle/>
+                    <a:p>
+                      <a:r>
+                        <a:rPr lang="en-SG" sz="2400">
+                          <a:effectLst/>
+                        </a:rPr>
+                        <a:t>s:toString</a:t>
+                      </a:r>
+                      <a:endParaRPr lang="en-SG" sz="2400" b="0">
+                        <a:effectLst/>
+                        <a:latin typeface="Cambira"/>
+                      </a:endParaRPr>
+                    </a:p>
+                  </a:txBody>
+                  <a:tcPr marL="62210" marR="62210" marT="31105" marB="31105" anchor="ctr"/>
+                </a:tc>
+                <a:tc>
+                  <a:txBody>
+                    <a:bodyPr/>
+                    <a:lstStyle/>
+                    <a:p>
+                      <a:r>
+                        <a:rPr lang="en-SG" sz="2000">
+                          <a:effectLst/>
+                        </a:rPr>
+                        <a:t> () -&gt; “string”.toString()</a:t>
+                      </a:r>
+                      <a:endParaRPr lang="en-SG" sz="2000" b="0">
+                        <a:effectLst/>
+                        <a:latin typeface="Cambira"/>
+                      </a:endParaRPr>
+                    </a:p>
+                  </a:txBody>
+                  <a:tcPr marL="62210" marR="62210" marT="31105" marB="31105" anchor="ctr"/>
+                </a:tc>
+                <a:extLst>
+                  <a:ext uri="{0D108BD9-81ED-4DB2-BD59-A6C34878D82A}">
+                    <a16:rowId xmlns:a16="http://schemas.microsoft.com/office/drawing/2014/main" val="1668419603"/>
+                  </a:ext>
+                </a:extLst>
+              </a:tr>
+              <a:tr h="1777649">
+                <a:tc>
+                  <a:txBody>
+                    <a:bodyPr/>
+                    <a:lstStyle/>
+                    <a:p>
+                      <a:r>
+                        <a:rPr lang="en-SG" sz="2000">
+                          <a:effectLst/>
+                        </a:rPr>
+                        <a:t>Reference to an instance method</a:t>
+                      </a:r>
+                      <a:br>
+                        <a:rPr lang="en-SG" sz="2000">
+                          <a:effectLst/>
+                        </a:rPr>
+                      </a:br>
+                      <a:r>
+                        <a:rPr lang="en-SG" sz="2000">
+                          <a:effectLst/>
+                        </a:rPr>
+                        <a:t>of an arbitrary object of a particular type</a:t>
+                      </a:r>
+                      <a:endParaRPr lang="en-SG" sz="2000" b="0">
+                        <a:effectLst/>
+                        <a:latin typeface="Cambira"/>
+                      </a:endParaRPr>
+                    </a:p>
+                  </a:txBody>
+                  <a:tcPr marL="62210" marR="62210" marT="31105" marB="31105" anchor="ctr"/>
+                </a:tc>
+                <a:tc>
+                  <a:txBody>
+                    <a:bodyPr/>
+                    <a:lstStyle/>
+                    <a:p>
+                      <a:r>
+                        <a:rPr lang="en-SG" sz="2000">
+                          <a:effectLst/>
+                        </a:rPr>
+                        <a:t>Class:instanceMethod</a:t>
+                      </a:r>
+                      <a:endParaRPr lang="en-SG" sz="2000" b="0">
+                        <a:effectLst/>
+                        <a:latin typeface="Cambira"/>
+                      </a:endParaRPr>
+                    </a:p>
+                  </a:txBody>
+                  <a:tcPr marL="62210" marR="62210" marT="31105" marB="31105" anchor="ctr"/>
+                </a:tc>
+                <a:tc>
+                  <a:txBody>
+                    <a:bodyPr/>
+                    <a:lstStyle/>
+                    <a:p>
+                      <a:r>
+                        <a:rPr lang="en-SG" sz="2400" dirty="0">
+                          <a:effectLst/>
+                        </a:rPr>
+                        <a:t>String::</a:t>
+                      </a:r>
+                      <a:r>
+                        <a:rPr lang="en-SG" sz="2400" dirty="0" err="1">
+                          <a:effectLst/>
+                        </a:rPr>
+                        <a:t>toString</a:t>
+                      </a:r>
+                      <a:endParaRPr lang="en-SG" sz="2400" b="0" dirty="0">
+                        <a:effectLst/>
+                        <a:latin typeface="Cambira"/>
+                      </a:endParaRPr>
+                    </a:p>
+                  </a:txBody>
+                  <a:tcPr marL="62210" marR="62210" marT="31105" marB="31105" anchor="ctr"/>
+                </a:tc>
+                <a:tc>
+                  <a:txBody>
+                    <a:bodyPr/>
+                    <a:lstStyle/>
+                    <a:p>
+                      <a:r>
+                        <a:rPr lang="en-SG" sz="2000">
+                          <a:effectLst/>
+                        </a:rPr>
+                        <a:t> s -&gt; s.toString()</a:t>
+                      </a:r>
+                      <a:endParaRPr lang="en-SG" sz="2000" b="0">
+                        <a:effectLst/>
+                        <a:latin typeface="Cambira"/>
+                      </a:endParaRPr>
+                    </a:p>
+                  </a:txBody>
+                  <a:tcPr marL="62210" marR="62210" marT="31105" marB="31105" anchor="ctr"/>
+                </a:tc>
+                <a:extLst>
+                  <a:ext uri="{0D108BD9-81ED-4DB2-BD59-A6C34878D82A}">
+                    <a16:rowId xmlns:a16="http://schemas.microsoft.com/office/drawing/2014/main" val="1972829386"/>
+                  </a:ext>
+                </a:extLst>
+              </a:tr>
+              <a:tr h="575238">
+                <a:tc>
+                  <a:txBody>
+                    <a:bodyPr/>
+                    <a:lstStyle/>
+                    <a:p>
+                      <a:r>
+                        <a:rPr lang="en-SG" sz="2000">
+                          <a:effectLst/>
+                        </a:rPr>
+                        <a:t>Reference to a constructor</a:t>
+                      </a:r>
+                      <a:endParaRPr lang="en-SG" sz="2000" b="0">
+                        <a:effectLst/>
+                        <a:latin typeface="Cambira"/>
+                      </a:endParaRPr>
+                    </a:p>
+                  </a:txBody>
+                  <a:tcPr marL="62210" marR="62210" marT="31105" marB="31105" anchor="ctr"/>
+                </a:tc>
+                <a:tc>
+                  <a:txBody>
+                    <a:bodyPr/>
+                    <a:lstStyle/>
+                    <a:p>
+                      <a:r>
+                        <a:rPr lang="en-SG" sz="2000">
+                          <a:effectLst/>
+                        </a:rPr>
+                        <a:t>Class::new</a:t>
+                      </a:r>
+                      <a:endParaRPr lang="en-SG" sz="2000" b="0">
+                        <a:effectLst/>
+                        <a:latin typeface="Cambira"/>
+                      </a:endParaRPr>
+                    </a:p>
+                  </a:txBody>
+                  <a:tcPr marL="62210" marR="62210" marT="31105" marB="31105" anchor="ctr"/>
+                </a:tc>
+                <a:tc>
+                  <a:txBody>
+                    <a:bodyPr/>
+                    <a:lstStyle/>
+                    <a:p>
+                      <a:r>
+                        <a:rPr lang="en-SG" sz="2400" dirty="0">
+                          <a:effectLst/>
+                        </a:rPr>
+                        <a:t>String::new</a:t>
+                      </a:r>
+                      <a:endParaRPr lang="en-SG" sz="2400" b="0" dirty="0">
+                        <a:effectLst/>
+                        <a:latin typeface="Cambira"/>
+                      </a:endParaRPr>
+                    </a:p>
+                  </a:txBody>
+                  <a:tcPr marL="62210" marR="62210" marT="31105" marB="31105" anchor="ctr"/>
+                </a:tc>
+                <a:tc>
+                  <a:txBody>
+                    <a:bodyPr/>
+                    <a:lstStyle/>
+                    <a:p>
+                      <a:r>
+                        <a:rPr lang="en-SG" sz="2000" dirty="0">
+                          <a:effectLst/>
+                        </a:rPr>
+                        <a:t> () -&gt; new String()</a:t>
+                      </a:r>
+                      <a:endParaRPr lang="en-SG" sz="2000" b="0" dirty="0">
+                        <a:effectLst/>
+                        <a:latin typeface="Cambira"/>
+                      </a:endParaRPr>
+                    </a:p>
+                  </a:txBody>
+                  <a:tcPr marL="62210" marR="62210" marT="31105" marB="31105" anchor="ctr"/>
+                </a:tc>
+                <a:extLst>
+                  <a:ext uri="{0D108BD9-81ED-4DB2-BD59-A6C34878D82A}">
+                    <a16:rowId xmlns:a16="http://schemas.microsoft.com/office/drawing/2014/main" val="2006574830"/>
+                  </a:ext>
+                </a:extLst>
+              </a:tr>
+            </a:tbl>
+          </a:graphicData>
+        </a:graphic>
+      </p:graphicFrame>
+    </p:spTree>
+    <p:extLst>
+      <p:ext uri="{BB962C8B-B14F-4D97-AF65-F5344CB8AC3E}">
+        <p14:creationId xmlns:p14="http://schemas.microsoft.com/office/powerpoint/2010/main" val="3971871831"/>
+      </p:ext>
+    </p:extLst>
+  </p:cSld>
+  <p:clrMapOvr>
+    <a:masterClrMapping/>
+  </p:clrMapOvr>
+</p:sld>
+</file>
+
+<file path=ppt/slides/slide7.xml><?xml version="1.0" encoding="utf-8"?>
+<p:sld xmlns:a="http://schemas.openxmlformats.org/drawingml/2006/main" xmlns:r="http://schemas.openxmlformats.org/officeDocument/2006/relationships" xmlns:p="http://schemas.openxmlformats.org/presentationml/2006/main">
+  <p:cSld>
     <p:spTree>
       <p:nvGrpSpPr>
         <p:cNvPr id="1" name=""/>
